--- a/Bayes.pptx
+++ b/Bayes.pptx
@@ -105,6 +105,11 @@
       </a:defRPr>
     </a:lvl9pPr>
   </p:defaultTextStyle>
+  <p:extLst>
+    <p:ext uri="{EFAFB233-063F-42B5-8137-9DF3F51BA10A}">
+      <p15:sldGuideLst xmlns:p15="http://schemas.microsoft.com/office/powerpoint/2012/main"/>
+    </p:ext>
+  </p:extLst>
 </p:presentation>
 </file>
 
@@ -3357,8 +3362,8 @@
         </p:nvSpPr>
         <p:spPr>
           <a:xfrm>
-            <a:off x="1153552" y="1153547"/>
-            <a:ext cx="9748910" cy="4893647"/>
+            <a:off x="942535" y="1153547"/>
+            <a:ext cx="10297551" cy="4524315"/>
           </a:xfrm>
           <a:prstGeom prst="rect">
             <a:avLst/>
@@ -3387,7 +3392,7 @@
             </a:pPr>
             <a:r>
               <a:rPr lang="en-GB" sz="2400" dirty="0"/>
-              <a:t>i.e. tells you how many times more likely your hypothesis is true than not</a:t>
+              <a:t>i.e. tells you how many times more likely your hypothesis is true than not.</a:t>
             </a:r>
           </a:p>
           <a:p>
@@ -3397,7 +3402,7 @@
             </a:pPr>
             <a:r>
               <a:rPr lang="en-GB" sz="2400" dirty="0"/>
-              <a:t>…Versus probability of your data, assuming the null hypothesis is correct – which is what a p-value does.</a:t>
+              <a:t>…versus probability of your data, assuming the null hypothesis is correct – which is what a p-value does.</a:t>
             </a:r>
           </a:p>
           <a:p>
